--- a/03 - Introducción a bases de datos.pptx
+++ b/03 - Introducción a bases de datos.pptx
@@ -894,7 +894,7 @@
   <pc:docChgLst>
     <pc:chgData name="Mateo Lopera Cardona" userId="666b5d0666acd5eb" providerId="LiveId" clId="{97DD325B-E9F1-4333-90FC-53D4DE842D13}"/>
     <pc:docChg chg="undo custSel addSld delSld modSld sldOrd">
-      <pc:chgData name="Mateo Lopera Cardona" userId="666b5d0666acd5eb" providerId="LiveId" clId="{97DD325B-E9F1-4333-90FC-53D4DE842D13}" dt="2025-03-14T04:17:15.723" v="2669" actId="20577"/>
+      <pc:chgData name="Mateo Lopera Cardona" userId="666b5d0666acd5eb" providerId="LiveId" clId="{97DD325B-E9F1-4333-90FC-53D4DE842D13}" dt="2025-03-21T13:25:41.225" v="2679" actId="1076"/>
       <pc:docMkLst>
         <pc:docMk/>
       </pc:docMkLst>
@@ -914,7 +914,7 @@
         </pc:spChg>
       </pc:sldChg>
       <pc:sldChg chg="modSp mod">
-        <pc:chgData name="Mateo Lopera Cardona" userId="666b5d0666acd5eb" providerId="LiveId" clId="{97DD325B-E9F1-4333-90FC-53D4DE842D13}" dt="2025-03-10T02:00:36.079" v="65" actId="20577"/>
+        <pc:chgData name="Mateo Lopera Cardona" userId="666b5d0666acd5eb" providerId="LiveId" clId="{97DD325B-E9F1-4333-90FC-53D4DE842D13}" dt="2025-03-21T13:25:10.864" v="2675"/>
         <pc:sldMkLst>
           <pc:docMk/>
           <pc:sldMk cId="2974677494" sldId="282"/>
@@ -927,9 +927,17 @@
             <ac:spMk id="2" creationId="{50B004AA-3180-DFA7-18B8-E35570BFD083}"/>
           </ac:spMkLst>
         </pc:spChg>
+        <pc:spChg chg="mod">
+          <ac:chgData name="Mateo Lopera Cardona" userId="666b5d0666acd5eb" providerId="LiveId" clId="{97DD325B-E9F1-4333-90FC-53D4DE842D13}" dt="2025-03-21T13:25:10.864" v="2675"/>
+          <ac:spMkLst>
+            <pc:docMk/>
+            <pc:sldMk cId="2974677494" sldId="282"/>
+            <ac:spMk id="3" creationId="{D68B3BDC-DC9B-44F2-8CAD-52BC0D00F752}"/>
+          </ac:spMkLst>
+        </pc:spChg>
       </pc:sldChg>
       <pc:sldChg chg="modSp add mod">
-        <pc:chgData name="Mateo Lopera Cardona" userId="666b5d0666acd5eb" providerId="LiveId" clId="{97DD325B-E9F1-4333-90FC-53D4DE842D13}" dt="2025-03-10T02:01:00.587" v="122" actId="20577"/>
+        <pc:chgData name="Mateo Lopera Cardona" userId="666b5d0666acd5eb" providerId="LiveId" clId="{97DD325B-E9F1-4333-90FC-53D4DE842D13}" dt="2025-03-21T13:25:41.225" v="2679" actId="1076"/>
         <pc:sldMkLst>
           <pc:docMk/>
           <pc:sldMk cId="1845797326" sldId="283"/>
@@ -940,6 +948,14 @@
             <pc:docMk/>
             <pc:sldMk cId="1845797326" sldId="283"/>
             <ac:spMk id="2" creationId="{C99D3259-D498-0682-2409-52AB2B2FDBF4}"/>
+          </ac:spMkLst>
+        </pc:spChg>
+        <pc:spChg chg="mod">
+          <ac:chgData name="Mateo Lopera Cardona" userId="666b5d0666acd5eb" providerId="LiveId" clId="{97DD325B-E9F1-4333-90FC-53D4DE842D13}" dt="2025-03-21T13:25:41.225" v="2679" actId="1076"/>
+          <ac:spMkLst>
+            <pc:docMk/>
+            <pc:sldMk cId="1845797326" sldId="283"/>
+            <ac:spMk id="3" creationId="{2924C8AB-DF93-6D87-3F19-31DE7A857157}"/>
           </ac:spMkLst>
         </pc:spChg>
       </pc:sldChg>
@@ -993,14 +1009,6 @@
             <ac:spMk id="8" creationId="{CE87D61F-AFA7-E15E-32B5-0E445FA5344B}"/>
           </ac:spMkLst>
         </pc:spChg>
-        <pc:picChg chg="add del mod">
-          <ac:chgData name="Mateo Lopera Cardona" userId="666b5d0666acd5eb" providerId="LiveId" clId="{97DD325B-E9F1-4333-90FC-53D4DE842D13}" dt="2025-03-13T12:26:20.650" v="1440" actId="478"/>
-          <ac:picMkLst>
-            <pc:docMk/>
-            <pc:sldMk cId="3258342960" sldId="285"/>
-            <ac:picMk id="5" creationId="{AB68F4AB-EB38-E3F4-1295-BA01C6B5DE47}"/>
-          </ac:picMkLst>
-        </pc:picChg>
       </pc:sldChg>
       <pc:sldChg chg="addSp delSp modSp add mod">
         <pc:chgData name="Mateo Lopera Cardona" userId="666b5d0666acd5eb" providerId="LiveId" clId="{97DD325B-E9F1-4333-90FC-53D4DE842D13}" dt="2025-03-12T01:50:06.365" v="496" actId="20577"/>
@@ -1378,22 +1386,6 @@
             <ac:spMk id="2" creationId="{CE7CDB9D-5A8B-949A-3EAD-99F137B0B6FB}"/>
           </ac:spMkLst>
         </pc:spChg>
-        <pc:spChg chg="del">
-          <ac:chgData name="Mateo Lopera Cardona" userId="666b5d0666acd5eb" providerId="LiveId" clId="{97DD325B-E9F1-4333-90FC-53D4DE842D13}" dt="2025-03-14T02:08:01.109" v="1985" actId="478"/>
-          <ac:spMkLst>
-            <pc:docMk/>
-            <pc:sldMk cId="3899323807" sldId="295"/>
-            <ac:spMk id="10" creationId="{5E5D2170-C47A-C33A-1089-7685B152D2BD}"/>
-          </ac:spMkLst>
-        </pc:spChg>
-        <pc:picChg chg="del">
-          <ac:chgData name="Mateo Lopera Cardona" userId="666b5d0666acd5eb" providerId="LiveId" clId="{97DD325B-E9F1-4333-90FC-53D4DE842D13}" dt="2025-03-14T02:07:59.786" v="1984" actId="478"/>
-          <ac:picMkLst>
-            <pc:docMk/>
-            <pc:sldMk cId="3899323807" sldId="295"/>
-            <ac:picMk id="5" creationId="{F32EFBAB-A03B-B435-7900-4A621EC3578E}"/>
-          </ac:picMkLst>
-        </pc:picChg>
       </pc:sldChg>
       <pc:sldChg chg="del">
         <pc:chgData name="Mateo Lopera Cardona" userId="666b5d0666acd5eb" providerId="LiveId" clId="{97DD325B-E9F1-4333-90FC-53D4DE842D13}" dt="2025-03-10T02:00:24.534" v="55" actId="47"/>
@@ -1424,30 +1416,6 @@
             <ac:spMk id="3" creationId="{E87071FD-42D7-83ED-4DBA-194371C0C687}"/>
           </ac:spMkLst>
         </pc:spChg>
-        <pc:spChg chg="add">
-          <ac:chgData name="Mateo Lopera Cardona" userId="666b5d0666acd5eb" providerId="LiveId" clId="{97DD325B-E9F1-4333-90FC-53D4DE842D13}" dt="2025-03-14T03:37:47.689" v="2040"/>
-          <ac:spMkLst>
-            <pc:docMk/>
-            <pc:sldMk cId="2530722722" sldId="296"/>
-            <ac:spMk id="4" creationId="{0B4BDDC2-8595-F5ED-CDD7-7622A8EF1429}"/>
-          </ac:spMkLst>
-        </pc:spChg>
-        <pc:spChg chg="del">
-          <ac:chgData name="Mateo Lopera Cardona" userId="666b5d0666acd5eb" providerId="LiveId" clId="{97DD325B-E9F1-4333-90FC-53D4DE842D13}" dt="2025-03-14T03:36:43.816" v="2036" actId="478"/>
-          <ac:spMkLst>
-            <pc:docMk/>
-            <pc:sldMk cId="2530722722" sldId="296"/>
-            <ac:spMk id="10" creationId="{267AEC70-6D8C-8508-D072-6796DDF3B147}"/>
-          </ac:spMkLst>
-        </pc:spChg>
-        <pc:picChg chg="del">
-          <ac:chgData name="Mateo Lopera Cardona" userId="666b5d0666acd5eb" providerId="LiveId" clId="{97DD325B-E9F1-4333-90FC-53D4DE842D13}" dt="2025-03-14T03:36:41.787" v="2035" actId="478"/>
-          <ac:picMkLst>
-            <pc:docMk/>
-            <pc:sldMk cId="2530722722" sldId="296"/>
-            <ac:picMk id="5" creationId="{1CF039D9-34C1-5676-3695-3007555F71CF}"/>
-          </ac:picMkLst>
-        </pc:picChg>
       </pc:sldChg>
       <pc:sldChg chg="addSp delSp modSp add mod ord">
         <pc:chgData name="Mateo Lopera Cardona" userId="666b5d0666acd5eb" providerId="LiveId" clId="{97DD325B-E9F1-4333-90FC-53D4DE842D13}" dt="2025-03-14T03:46:34.717" v="2545"/>
@@ -1455,14 +1423,6 @@
           <pc:docMk/>
           <pc:sldMk cId="811543567" sldId="297"/>
         </pc:sldMkLst>
-        <pc:spChg chg="del mod">
-          <ac:chgData name="Mateo Lopera Cardona" userId="666b5d0666acd5eb" providerId="LiveId" clId="{97DD325B-E9F1-4333-90FC-53D4DE842D13}" dt="2025-03-14T03:39:03.750" v="2054"/>
-          <ac:spMkLst>
-            <pc:docMk/>
-            <pc:sldMk cId="811543567" sldId="297"/>
-            <ac:spMk id="3" creationId="{E04CCBDC-90C0-7853-087D-C5F8BE284074}"/>
-          </ac:spMkLst>
-        </pc:spChg>
         <pc:spChg chg="add mod">
           <ac:chgData name="Mateo Lopera Cardona" userId="666b5d0666acd5eb" providerId="LiveId" clId="{97DD325B-E9F1-4333-90FC-53D4DE842D13}" dt="2025-03-14T03:46:15.171" v="2543" actId="5793"/>
           <ac:spMkLst>
@@ -1549,14 +1509,6 @@
             <pc:docMk/>
             <pc:sldMk cId="612245229" sldId="300"/>
             <ac:spMk id="3" creationId="{4CB5B143-AC49-91F1-1412-9E887198D81B}"/>
-          </ac:spMkLst>
-        </pc:spChg>
-        <pc:spChg chg="del">
-          <ac:chgData name="Mateo Lopera Cardona" userId="666b5d0666acd5eb" providerId="LiveId" clId="{97DD325B-E9F1-4333-90FC-53D4DE842D13}" dt="2025-03-14T04:12:01.074" v="2570" actId="478"/>
-          <ac:spMkLst>
-            <pc:docMk/>
-            <pc:sldMk cId="612245229" sldId="300"/>
-            <ac:spMk id="4" creationId="{2CB2B16E-FA23-C279-78BC-33DF25E6943B}"/>
           </ac:spMkLst>
         </pc:spChg>
       </pc:sldChg>
@@ -1704,7 +1656,7 @@
           <a:p>
             <a:fld id="{16264C45-124D-4D95-82C0-9D4888E41BF5}" type="datetimeFigureOut">
               <a:rPr lang="es-CO" smtClean="0"/>
-              <a:t>11/03/2025</a:t>
+              <a:t>21/03/2025</a:t>
             </a:fld>
             <a:endParaRPr lang="es-CO"/>
           </a:p>
@@ -2121,7 +2073,7 @@
           <a:p>
             <a:fld id="{BD74E281-D4A3-454A-BC44-9E620AD75DC4}" type="datetimeFigureOut">
               <a:rPr lang="es-CO" smtClean="0"/>
-              <a:t>11/03/2025</a:t>
+              <a:t>21/03/2025</a:t>
             </a:fld>
             <a:endParaRPr lang="es-CO"/>
           </a:p>
@@ -2321,7 +2273,7 @@
           <a:p>
             <a:fld id="{BD74E281-D4A3-454A-BC44-9E620AD75DC4}" type="datetimeFigureOut">
               <a:rPr lang="es-CO" smtClean="0"/>
-              <a:t>11/03/2025</a:t>
+              <a:t>21/03/2025</a:t>
             </a:fld>
             <a:endParaRPr lang="es-CO"/>
           </a:p>
@@ -2531,7 +2483,7 @@
           <a:p>
             <a:fld id="{BD74E281-D4A3-454A-BC44-9E620AD75DC4}" type="datetimeFigureOut">
               <a:rPr lang="es-CO" smtClean="0"/>
-              <a:t>11/03/2025</a:t>
+              <a:t>21/03/2025</a:t>
             </a:fld>
             <a:endParaRPr lang="es-CO"/>
           </a:p>
@@ -2731,7 +2683,7 @@
           <a:p>
             <a:fld id="{BD74E281-D4A3-454A-BC44-9E620AD75DC4}" type="datetimeFigureOut">
               <a:rPr lang="es-CO" smtClean="0"/>
-              <a:t>11/03/2025</a:t>
+              <a:t>21/03/2025</a:t>
             </a:fld>
             <a:endParaRPr lang="es-CO"/>
           </a:p>
@@ -3007,7 +2959,7 @@
           <a:p>
             <a:fld id="{BD74E281-D4A3-454A-BC44-9E620AD75DC4}" type="datetimeFigureOut">
               <a:rPr lang="es-CO" smtClean="0"/>
-              <a:t>11/03/2025</a:t>
+              <a:t>21/03/2025</a:t>
             </a:fld>
             <a:endParaRPr lang="es-CO"/>
           </a:p>
@@ -3275,7 +3227,7 @@
           <a:p>
             <a:fld id="{BD74E281-D4A3-454A-BC44-9E620AD75DC4}" type="datetimeFigureOut">
               <a:rPr lang="es-CO" smtClean="0"/>
-              <a:t>11/03/2025</a:t>
+              <a:t>21/03/2025</a:t>
             </a:fld>
             <a:endParaRPr lang="es-CO"/>
           </a:p>
@@ -3690,7 +3642,7 @@
           <a:p>
             <a:fld id="{BD74E281-D4A3-454A-BC44-9E620AD75DC4}" type="datetimeFigureOut">
               <a:rPr lang="es-CO" smtClean="0"/>
-              <a:t>11/03/2025</a:t>
+              <a:t>21/03/2025</a:t>
             </a:fld>
             <a:endParaRPr lang="es-CO"/>
           </a:p>
@@ -3832,7 +3784,7 @@
           <a:p>
             <a:fld id="{BD74E281-D4A3-454A-BC44-9E620AD75DC4}" type="datetimeFigureOut">
               <a:rPr lang="es-CO" smtClean="0"/>
-              <a:t>11/03/2025</a:t>
+              <a:t>21/03/2025</a:t>
             </a:fld>
             <a:endParaRPr lang="es-CO"/>
           </a:p>
@@ -3945,7 +3897,7 @@
           <a:p>
             <a:fld id="{BD74E281-D4A3-454A-BC44-9E620AD75DC4}" type="datetimeFigureOut">
               <a:rPr lang="es-CO" smtClean="0"/>
-              <a:t>11/03/2025</a:t>
+              <a:t>21/03/2025</a:t>
             </a:fld>
             <a:endParaRPr lang="es-CO"/>
           </a:p>
@@ -4258,7 +4210,7 @@
           <a:p>
             <a:fld id="{BD74E281-D4A3-454A-BC44-9E620AD75DC4}" type="datetimeFigureOut">
               <a:rPr lang="es-CO" smtClean="0"/>
-              <a:t>11/03/2025</a:t>
+              <a:t>21/03/2025</a:t>
             </a:fld>
             <a:endParaRPr lang="es-CO"/>
           </a:p>
@@ -4547,7 +4499,7 @@
           <a:p>
             <a:fld id="{BD74E281-D4A3-454A-BC44-9E620AD75DC4}" type="datetimeFigureOut">
               <a:rPr lang="es-CO" smtClean="0"/>
-              <a:t>11/03/2025</a:t>
+              <a:t>21/03/2025</a:t>
             </a:fld>
             <a:endParaRPr lang="es-CO"/>
           </a:p>
@@ -4799,7 +4751,7 @@
           <a:p>
             <a:fld id="{BD74E281-D4A3-454A-BC44-9E620AD75DC4}" type="datetimeFigureOut">
               <a:rPr lang="es-CO" smtClean="0"/>
-              <a:t>11/03/2025</a:t>
+              <a:t>21/03/2025</a:t>
             </a:fld>
             <a:endParaRPr lang="es-CO"/>
           </a:p>
@@ -8427,7 +8379,7 @@
         <p:spPr>
           <a:xfrm>
             <a:off x="1858010" y="1857554"/>
-            <a:ext cx="8475980" cy="2554545"/>
+            <a:ext cx="8475980" cy="3539430"/>
           </a:xfrm>
           <a:prstGeom prst="rect">
             <a:avLst/>
@@ -8451,19 +8403,19 @@
           <a:p>
             <a:r>
               <a:rPr lang="es-CO" altLang="es-CO" dirty="0"/>
-              <a:t>Tienes dos tablas.</a:t>
+              <a:t>Las subconsultas son consultas que se encuentran dentro de otras consultas en SQL. También se les conoce como consultas anidadas o consultas internas. </a:t>
             </a:r>
           </a:p>
           <a:p>
             <a:r>
               <a:rPr lang="es-CO" altLang="es-CO" dirty="0"/>
-              <a:t>Buscas filas donde la columna en común coincida en ambas.</a:t>
+              <a:t>Se escriben entre paréntesis</a:t>
             </a:r>
           </a:p>
           <a:p>
             <a:r>
               <a:rPr lang="es-CO" altLang="es-CO" dirty="0"/>
-              <a:t>Solo devuelves las filas que tienen coincidencias. </a:t>
+              <a:t>Se pueden utilizar en las cláusulas SELECT, FROM y WHERE</a:t>
             </a:r>
           </a:p>
         </p:txBody>
@@ -8565,7 +8517,7 @@
         </p:nvSpPr>
         <p:spPr>
           <a:xfrm>
-            <a:off x="1858010" y="1857554"/>
+            <a:off x="1858010" y="2151727"/>
             <a:ext cx="8475980" cy="2554545"/>
           </a:xfrm>
           <a:prstGeom prst="rect">
@@ -8590,19 +8542,7 @@
           <a:p>
             <a:r>
               <a:rPr lang="es-CO" altLang="es-CO" dirty="0"/>
-              <a:t>Tienes dos tablas.</a:t>
-            </a:r>
-          </a:p>
-          <a:p>
-            <a:r>
-              <a:rPr lang="es-CO" altLang="es-CO" dirty="0"/>
-              <a:t>Buscas filas donde la columna en común coincida en ambas.</a:t>
-            </a:r>
-          </a:p>
-          <a:p>
-            <a:r>
-              <a:rPr lang="es-CO" altLang="es-CO" dirty="0"/>
-              <a:t>Solo devuelves las filas que tienen coincidencias. </a:t>
+              <a:t>Las expresiones de tabla comunes (CTE) son conjuntos de resultados temporales que se utilizan en el contexto de una consulta SQL. Se definen dentro de una consulta mediante la palabra clave WITH. </a:t>
             </a:r>
           </a:p>
         </p:txBody>
@@ -10398,17 +10338,6 @@
 </file>
 
 <file path=customXml/item1.xml><?xml version="1.0" encoding="utf-8"?>
-<p:properties xmlns:p="http://schemas.microsoft.com/office/2006/metadata/properties" xmlns:xsi="http://www.w3.org/2001/XMLSchema-instance" xmlns:pc="http://schemas.microsoft.com/office/infopath/2007/PartnerControls">
-  <documentManagement>
-    <TaxCatchAll xmlns="ef85bb3e-2804-46d3-905f-c22ca17669c2" xsi:nil="true"/>
-    <lcf76f155ced4ddcb4097134ff3c332f xmlns="28c133c1-f39f-47ef-88b0-6463f35cce5c">
-      <Terms xmlns="http://schemas.microsoft.com/office/infopath/2007/PartnerControls"/>
-    </lcf76f155ced4ddcb4097134ff3c332f>
-  </documentManagement>
-</p:properties>
-</file>
-
-<file path=customXml/item2.xml><?xml version="1.0" encoding="utf-8"?>
 <ct:contentTypeSchema xmlns:ct="http://schemas.microsoft.com/office/2006/metadata/contentType" xmlns:ma="http://schemas.microsoft.com/office/2006/metadata/properties/metaAttributes" ct:_="" ma:_="" ma:contentTypeName="Documento" ma:contentTypeID="0x010100DB1B367B95F05A46AD79F531E0B12249" ma:contentTypeVersion="18" ma:contentTypeDescription="Crear nuevo documento." ma:contentTypeScope="" ma:versionID="a5dceda80c3aefb9c7df26562547f51a">
   <xsd:schema xmlns:xsd="http://www.w3.org/2001/XMLSchema" xmlns:xs="http://www.w3.org/2001/XMLSchema" xmlns:p="http://schemas.microsoft.com/office/2006/metadata/properties" xmlns:ns2="28c133c1-f39f-47ef-88b0-6463f35cce5c" xmlns:ns3="ef85bb3e-2804-46d3-905f-c22ca17669c2" targetNamespace="http://schemas.microsoft.com/office/2006/metadata/properties" ma:root="true" ma:fieldsID="65af00da51a723e815f28c226d3c6b7e" ns2:_="" ns3:_="">
     <xsd:import namespace="28c133c1-f39f-47ef-88b0-6463f35cce5c"/>
@@ -10663,6 +10592,17 @@
 </ct:contentTypeSchema>
 </file>
 
+<file path=customXml/item2.xml><?xml version="1.0" encoding="utf-8"?>
+<p:properties xmlns:p="http://schemas.microsoft.com/office/2006/metadata/properties" xmlns:xsi="http://www.w3.org/2001/XMLSchema-instance" xmlns:pc="http://schemas.microsoft.com/office/infopath/2007/PartnerControls">
+  <documentManagement>
+    <TaxCatchAll xmlns="ef85bb3e-2804-46d3-905f-c22ca17669c2" xsi:nil="true"/>
+    <lcf76f155ced4ddcb4097134ff3c332f xmlns="28c133c1-f39f-47ef-88b0-6463f35cce5c">
+      <Terms xmlns="http://schemas.microsoft.com/office/infopath/2007/PartnerControls"/>
+    </lcf76f155ced4ddcb4097134ff3c332f>
+  </documentManagement>
+</p:properties>
+</file>
+
 <file path=customXml/item3.xml><?xml version="1.0" encoding="utf-8"?>
 <?mso-contentType ?>
 <FormTemplates xmlns="http://schemas.microsoft.com/sharepoint/v3/contenttype/forms">
@@ -10673,17 +10613,6 @@
 </file>
 
 <file path=customXml/itemProps1.xml><?xml version="1.0" encoding="utf-8"?>
-<ds:datastoreItem xmlns:ds="http://schemas.openxmlformats.org/officeDocument/2006/customXml" ds:itemID="{7D509F5C-F9A8-4B81-A34D-A19E99698530}">
-  <ds:schemaRefs>
-    <ds:schemaRef ds:uri="http://schemas.microsoft.com/office/2006/metadata/properties"/>
-    <ds:schemaRef ds:uri="http://schemas.microsoft.com/office/infopath/2007/PartnerControls"/>
-    <ds:schemaRef ds:uri="ef85bb3e-2804-46d3-905f-c22ca17669c2"/>
-    <ds:schemaRef ds:uri="28c133c1-f39f-47ef-88b0-6463f35cce5c"/>
-  </ds:schemaRefs>
-</ds:datastoreItem>
-</file>
-
-<file path=customXml/itemProps2.xml><?xml version="1.0" encoding="utf-8"?>
 <ds:datastoreItem xmlns:ds="http://schemas.openxmlformats.org/officeDocument/2006/customXml" ds:itemID="{3268C594-87E5-41E4-9CA5-CB38F2E29516}">
   <ds:schemaRefs>
     <ds:schemaRef ds:uri="http://schemas.microsoft.com/office/2006/metadata/contentType"/>
@@ -10702,6 +10631,17 @@
 </ds:datastoreItem>
 </file>
 
+<file path=customXml/itemProps2.xml><?xml version="1.0" encoding="utf-8"?>
+<ds:datastoreItem xmlns:ds="http://schemas.openxmlformats.org/officeDocument/2006/customXml" ds:itemID="{7D509F5C-F9A8-4B81-A34D-A19E99698530}">
+  <ds:schemaRefs>
+    <ds:schemaRef ds:uri="http://schemas.microsoft.com/office/2006/metadata/properties"/>
+    <ds:schemaRef ds:uri="http://schemas.microsoft.com/office/infopath/2007/PartnerControls"/>
+    <ds:schemaRef ds:uri="ef85bb3e-2804-46d3-905f-c22ca17669c2"/>
+    <ds:schemaRef ds:uri="28c133c1-f39f-47ef-88b0-6463f35cce5c"/>
+  </ds:schemaRefs>
+</ds:datastoreItem>
+</file>
+
 <file path=customXml/itemProps3.xml><?xml version="1.0" encoding="utf-8"?>
 <ds:datastoreItem xmlns:ds="http://schemas.openxmlformats.org/officeDocument/2006/customXml" ds:itemID="{91F9A68A-94B5-4F6C-9B07-087CE3814D9A}">
   <ds:schemaRefs>
